--- a/Articles/535/images/nestedJobLib.pptx
+++ b/Articles/535/images/nestedJobLib.pptx
@@ -3535,7 +3535,7 @@
             <a:fld id="{B1603AB5-52B7-8045-BEFE-97F8347DAEAC}" type="datetimeFigureOut">
               <a:rPr lang="en-US" smtClean="0"/>
               <a:pPr/>
-              <a:t>3/16/2022</a:t>
+              <a:t>3/17/2022</a:t>
             </a:fld>
             <a:endParaRPr lang="en-US"/>
           </a:p>
@@ -3703,7 +3703,7 @@
             <a:fld id="{EFF03303-0379-0E48-9B93-EC7286F8FEE5}" type="datetimeFigureOut">
               <a:rPr lang="en-US" smtClean="0"/>
               <a:pPr/>
-              <a:t>3/16/2022</a:t>
+              <a:t>3/17/2022</a:t>
             </a:fld>
             <a:endParaRPr lang="en-US"/>
           </a:p>
@@ -7624,7 +7624,7 @@
         </p:nvCxnSpPr>
         <p:spPr>
           <a:xfrm flipV="1">
-            <a:off x="8166848" y="3743884"/>
+            <a:off x="8453175" y="3198939"/>
             <a:ext cx="2034987" cy="1382577"/>
           </a:xfrm>
           <a:prstGeom prst="bentConnector3">
@@ -7676,7 +7676,15 @@
             <a:pPr algn="ctr"/>
             <a:r>
               <a:rPr lang="en-US" dirty="0"/>
-              <a:t>Nested Job information flow</a:t>
+              <a:t>Information </a:t>
+            </a:r>
+            <a:r>
+              <a:rPr lang="en-US"/>
+              <a:t>flow in </a:t>
+            </a:r>
+            <a:r>
+              <a:rPr lang="en-US" dirty="0"/>
+              <a:t>the nested Job app.</a:t>
             </a:r>
           </a:p>
         </p:txBody>
@@ -7697,7 +7705,12 @@
             <p:ph idx="1"/>
           </p:nvPr>
         </p:nvSpPr>
-        <p:spPr/>
+        <p:spPr>
+          <a:xfrm>
+            <a:off x="898262" y="1367834"/>
+            <a:ext cx="10765367" cy="4739399"/>
+          </a:xfrm>
+        </p:spPr>
         <p:txBody>
           <a:bodyPr/>
           <a:lstStyle/>
@@ -7706,10 +7719,9 @@
               <a:buNone/>
             </a:pPr>
             <a:r>
-              <a:rPr lang="en-US"/>
+              <a:rPr lang="en-US" dirty="0"/>
               <a:t>.</a:t>
             </a:r>
-            <a:endParaRPr lang="en-US" dirty="0"/>
           </a:p>
         </p:txBody>
       </p:sp>
@@ -7757,7 +7769,7 @@
         </p:nvSpPr>
         <p:spPr>
           <a:xfrm>
-            <a:off x="1120588" y="1631576"/>
+            <a:off x="1406915" y="1086631"/>
             <a:ext cx="2268071" cy="1344706"/>
           </a:xfrm>
           <a:prstGeom prst="roundRect">
@@ -7785,7 +7797,7 @@
             <a:pPr algn="ctr"/>
             <a:r>
               <a:rPr lang="en-US" dirty="0"/>
-              <a:t>Client Session</a:t>
+              <a:t>A. Client Session</a:t>
             </a:r>
           </a:p>
         </p:txBody>
@@ -7804,7 +7816,7 @@
         </p:nvSpPr>
         <p:spPr>
           <a:xfrm>
-            <a:off x="4052047" y="2761129"/>
+            <a:off x="4338374" y="2216184"/>
             <a:ext cx="2043953" cy="1246095"/>
           </a:xfrm>
           <a:prstGeom prst="roundRect">
@@ -7832,7 +7844,7 @@
             <a:pPr algn="ctr"/>
             <a:r>
               <a:rPr lang="en-US" dirty="0"/>
-              <a:t>Control Session</a:t>
+              <a:t>B. Control job</a:t>
             </a:r>
           </a:p>
         </p:txBody>
@@ -7851,8 +7863,8 @@
         </p:nvSpPr>
         <p:spPr>
           <a:xfrm>
-            <a:off x="6822142" y="2182905"/>
-            <a:ext cx="1344706" cy="578224"/>
+            <a:off x="7108469" y="1637960"/>
+            <a:ext cx="1509192" cy="578224"/>
           </a:xfrm>
           <a:prstGeom prst="roundRect">
             <a:avLst/>
@@ -7882,7 +7894,7 @@
             <a:pPr algn="ctr"/>
             <a:r>
               <a:rPr lang="en-US" dirty="0"/>
-              <a:t>sj1</a:t>
+              <a:t>C. Sub job 1</a:t>
             </a:r>
           </a:p>
         </p:txBody>
@@ -7901,8 +7913,8 @@
         </p:nvSpPr>
         <p:spPr>
           <a:xfrm>
-            <a:off x="6822142" y="3435722"/>
-            <a:ext cx="1344706" cy="578224"/>
+            <a:off x="7108469" y="2890777"/>
+            <a:ext cx="1509192" cy="578224"/>
           </a:xfrm>
           <a:prstGeom prst="roundRect">
             <a:avLst/>
@@ -7932,7 +7944,7 @@
             <a:pPr algn="ctr"/>
             <a:r>
               <a:rPr lang="en-US" dirty="0"/>
-              <a:t>sj2</a:t>
+              <a:t>C. Sub job 2</a:t>
             </a:r>
           </a:p>
         </p:txBody>
@@ -7951,8 +7963,8 @@
         </p:nvSpPr>
         <p:spPr>
           <a:xfrm>
-            <a:off x="6822142" y="4818299"/>
-            <a:ext cx="1344706" cy="578224"/>
+            <a:off x="7108469" y="4273354"/>
+            <a:ext cx="1509192" cy="578224"/>
           </a:xfrm>
           <a:prstGeom prst="roundRect">
             <a:avLst/>
@@ -7982,7 +7994,7 @@
             <a:pPr algn="ctr"/>
             <a:r>
               <a:rPr lang="en-US" dirty="0"/>
-              <a:t>sj3</a:t>
+              <a:t>C. Sub job 3</a:t>
             </a:r>
           </a:p>
         </p:txBody>
@@ -7997,6 +8009,7 @@
             </a:extLst>
           </p:cNvPr>
           <p:cNvCxnSpPr>
+            <a:cxnSpLocks/>
             <a:stCxn id="6" idx="3"/>
             <a:endCxn id="7" idx="1"/>
           </p:cNvCxnSpPr>
@@ -8004,7 +8017,7 @@
         </p:nvCxnSpPr>
         <p:spPr>
           <a:xfrm flipV="1">
-            <a:off x="6096000" y="2472017"/>
+            <a:off x="6382327" y="1927072"/>
             <a:ext cx="726142" cy="912160"/>
           </a:xfrm>
           <a:prstGeom prst="straightConnector1">
@@ -8042,6 +8055,7 @@
             </a:extLst>
           </p:cNvPr>
           <p:cNvCxnSpPr>
+            <a:cxnSpLocks/>
             <a:stCxn id="6" idx="3"/>
             <a:endCxn id="8" idx="1"/>
           </p:cNvCxnSpPr>
@@ -8049,7 +8063,7 @@
         </p:nvCxnSpPr>
         <p:spPr>
           <a:xfrm>
-            <a:off x="6096000" y="3384177"/>
+            <a:off x="6382327" y="2839232"/>
             <a:ext cx="726142" cy="340657"/>
           </a:xfrm>
           <a:prstGeom prst="straightConnector1">
@@ -8087,6 +8101,7 @@
             </a:extLst>
           </p:cNvPr>
           <p:cNvCxnSpPr>
+            <a:cxnSpLocks/>
             <a:stCxn id="6" idx="3"/>
             <a:endCxn id="9" idx="1"/>
           </p:cNvCxnSpPr>
@@ -8094,7 +8109,7 @@
         </p:nvCxnSpPr>
         <p:spPr>
           <a:xfrm>
-            <a:off x="6096000" y="3384177"/>
+            <a:off x="6382327" y="2839232"/>
             <a:ext cx="726142" cy="1723234"/>
           </a:xfrm>
           <a:prstGeom prst="straightConnector1">
@@ -8139,8 +8154,8 @@
         </p:nvCxnSpPr>
         <p:spPr>
           <a:xfrm>
-            <a:off x="8166848" y="2472017"/>
-            <a:ext cx="2034987" cy="1252817"/>
+            <a:off x="8617661" y="1927072"/>
+            <a:ext cx="1870501" cy="1252817"/>
           </a:xfrm>
           <a:prstGeom prst="bentConnector3">
             <a:avLst/>
@@ -8184,8 +8199,8 @@
         </p:nvCxnSpPr>
         <p:spPr>
           <a:xfrm>
-            <a:off x="8166848" y="3724834"/>
-            <a:ext cx="2034987" cy="12700"/>
+            <a:off x="8617661" y="3179889"/>
+            <a:ext cx="1870501" cy="12700"/>
           </a:xfrm>
           <a:prstGeom prst="bentConnector3">
             <a:avLst/>
@@ -8226,7 +8241,7 @@
         </p:nvCxnSpPr>
         <p:spPr>
           <a:xfrm rot="5400000">
-            <a:off x="8970164" y="4969205"/>
+            <a:off x="9256491" y="4424260"/>
             <a:ext cx="2463342" cy="12700"/>
           </a:xfrm>
           <a:prstGeom prst="bentConnector3">
@@ -8270,7 +8285,7 @@
         </p:nvCxnSpPr>
         <p:spPr>
           <a:xfrm rot="10800000" flipV="1">
-            <a:off x="5014443" y="6197700"/>
+            <a:off x="5300770" y="5652755"/>
             <a:ext cx="5181042" cy="3175"/>
           </a:xfrm>
           <a:prstGeom prst="bentConnector3">
@@ -8315,7 +8330,7 @@
         </p:nvCxnSpPr>
         <p:spPr>
           <a:xfrm flipV="1">
-            <a:off x="5041338" y="4007224"/>
+            <a:off x="5327665" y="3462279"/>
             <a:ext cx="32686" cy="2206353"/>
           </a:xfrm>
           <a:prstGeom prst="straightConnector1">
@@ -8361,7 +8376,7 @@
         </p:nvCxnSpPr>
         <p:spPr>
           <a:xfrm>
-            <a:off x="3388659" y="2303929"/>
+            <a:off x="3674986" y="1758984"/>
             <a:ext cx="1685365" cy="457200"/>
           </a:xfrm>
           <a:prstGeom prst="straightConnector1">
@@ -8403,7 +8418,7 @@
         </p:nvCxnSpPr>
         <p:spPr>
           <a:xfrm rot="10800000" flipV="1">
-            <a:off x="2307771" y="3384177"/>
+            <a:off x="2594098" y="2839232"/>
             <a:ext cx="1744276" cy="1280"/>
           </a:xfrm>
           <a:prstGeom prst="bentConnector3">
@@ -8447,7 +8462,7 @@
         </p:nvCxnSpPr>
         <p:spPr>
           <a:xfrm flipH="1" flipV="1">
-            <a:off x="2254624" y="2976282"/>
+            <a:off x="2540951" y="2431337"/>
             <a:ext cx="53146" cy="409176"/>
           </a:xfrm>
           <a:prstGeom prst="straightConnector1">
@@ -8489,8 +8504,8 @@
         </p:nvSpPr>
         <p:spPr>
           <a:xfrm>
-            <a:off x="3792070" y="2124449"/>
-            <a:ext cx="1344706" cy="347568"/>
+            <a:off x="3879272" y="1519585"/>
+            <a:ext cx="1839667" cy="407487"/>
           </a:xfrm>
           <a:prstGeom prst="ellipse">
             <a:avLst/>
@@ -8522,7 +8537,7 @@
                   <a:schemeClr val="tx1"/>
                 </a:solidFill>
               </a:rPr>
-              <a:t>Submit</a:t>
+              <a:t>1. Submit</a:t>
             </a:r>
           </a:p>
         </p:txBody>
@@ -8541,8 +8556,8 @@
         </p:nvSpPr>
         <p:spPr>
           <a:xfrm>
-            <a:off x="5545359" y="1896057"/>
-            <a:ext cx="1344706" cy="347568"/>
+            <a:off x="6381386" y="2358740"/>
+            <a:ext cx="1691053" cy="347568"/>
           </a:xfrm>
           <a:prstGeom prst="ellipse">
             <a:avLst/>
@@ -8579,7 +8594,7 @@
                   <a:schemeClr val="tx1"/>
                 </a:solidFill>
               </a:rPr>
-              <a:t>Submit</a:t>
+              <a:t>3. Submit</a:t>
             </a:r>
           </a:p>
         </p:txBody>
@@ -8598,8 +8613,8 @@
         </p:nvSpPr>
         <p:spPr>
           <a:xfrm>
-            <a:off x="9120014" y="2358745"/>
-            <a:ext cx="1464399" cy="347568"/>
+            <a:off x="8624011" y="1542041"/>
+            <a:ext cx="1870501" cy="347568"/>
           </a:xfrm>
           <a:prstGeom prst="ellipse">
             <a:avLst/>
@@ -8636,7 +8651,7 @@
                   <a:schemeClr val="tx1"/>
                 </a:solidFill>
               </a:rPr>
-              <a:t>callback</a:t>
+              <a:t>4. Callback</a:t>
             </a:r>
           </a:p>
         </p:txBody>
@@ -8655,8 +8670,8 @@
         </p:nvSpPr>
         <p:spPr>
           <a:xfrm>
-            <a:off x="1095959" y="3214849"/>
-            <a:ext cx="1464399" cy="347568"/>
+            <a:off x="1406915" y="2882962"/>
+            <a:ext cx="1955627" cy="347568"/>
           </a:xfrm>
           <a:prstGeom prst="ellipse">
             <a:avLst/>
@@ -8693,7 +8708,7 @@
                   <a:schemeClr val="tx1"/>
                 </a:solidFill>
               </a:rPr>
-              <a:t>callback</a:t>
+              <a:t>2. Callback</a:t>
             </a:r>
           </a:p>
         </p:txBody>
@@ -12666,18 +12681,18 @@
 </file>
 
 <file path=customXml/item1.xml><?xml version="1.0" encoding="utf-8"?>
+<p:properties xmlns:p="http://schemas.microsoft.com/office/2006/metadata/properties" xmlns:xsi="http://www.w3.org/2001/XMLSchema-instance" xmlns:pc="http://schemas.microsoft.com/office/infopath/2007/PartnerControls">
+  <documentManagement/>
+</p:properties>
+</file>
+
+<file path=customXml/item2.xml><?xml version="1.0" encoding="utf-8"?>
 <?mso-contentType ?>
 <FormTemplates xmlns="http://schemas.microsoft.com/sharepoint/v3/contenttype/forms">
   <Display>DocumentLibraryForm</Display>
   <Edit>DocumentLibraryForm</Edit>
   <New>DocumentLibraryForm</New>
 </FormTemplates>
-</file>
-
-<file path=customXml/item2.xml><?xml version="1.0" encoding="utf-8"?>
-<p:properties xmlns:p="http://schemas.microsoft.com/office/2006/metadata/properties" xmlns:xsi="http://www.w3.org/2001/XMLSchema-instance" xmlns:pc="http://schemas.microsoft.com/office/infopath/2007/PartnerControls">
-  <documentManagement/>
-</p:properties>
 </file>
 
 <file path=customXml/item3.xml><?xml version="1.0" encoding="utf-8"?>
@@ -12835,14 +12850,6 @@
 </file>
 
 <file path=customXml/itemProps1.xml><?xml version="1.0" encoding="utf-8"?>
-<ds:datastoreItem xmlns:ds="http://schemas.openxmlformats.org/officeDocument/2006/customXml" ds:itemID="{74BCA57B-8451-400D-AF6D-A9DBB4806AF2}">
-  <ds:schemaRefs>
-    <ds:schemaRef ds:uri="http://schemas.microsoft.com/sharepoint/v3/contenttype/forms"/>
-  </ds:schemaRefs>
-</ds:datastoreItem>
-</file>
-
-<file path=customXml/itemProps2.xml><?xml version="1.0" encoding="utf-8"?>
 <ds:datastoreItem xmlns:ds="http://schemas.openxmlformats.org/officeDocument/2006/customXml" ds:itemID="{F4BD4880-0C9A-491D-872C-CB84E58DA4AE}">
   <ds:schemaRefs>
     <ds:schemaRef ds:uri="67d1ba68-3275-44c2-9ddb-2f8511f2ccbb"/>
@@ -12854,6 +12861,14 @@
     <ds:schemaRef ds:uri="http://schemas.microsoft.com/office/2006/metadata/properties"/>
     <ds:schemaRef ds:uri="http://www.w3.org/XML/1998/namespace"/>
     <ds:schemaRef ds:uri="http://purl.org/dc/dcmitype/"/>
+  </ds:schemaRefs>
+</ds:datastoreItem>
+</file>
+
+<file path=customXml/itemProps2.xml><?xml version="1.0" encoding="utf-8"?>
+<ds:datastoreItem xmlns:ds="http://schemas.openxmlformats.org/officeDocument/2006/customXml" ds:itemID="{74BCA57B-8451-400D-AF6D-A9DBB4806AF2}">
+  <ds:schemaRefs>
+    <ds:schemaRef ds:uri="http://schemas.microsoft.com/sharepoint/v3/contenttype/forms"/>
   </ds:schemaRefs>
 </ds:datastoreItem>
 </file>
